--- a/presentation.pptx
+++ b/presentation.pptx
@@ -112,6 +112,11 @@
       </a:defRPr>
     </a:lvl9pPr>
   </p:defaultTextStyle>
+  <p:extLst>
+    <p:ext uri="{EFAFB233-063F-42B5-8137-9DF3F51BA10A}">
+      <p15:sldGuideLst xmlns:p15="http://schemas.microsoft.com/office/powerpoint/2012/main"/>
+    </p:ext>
+  </p:extLst>
 </p:presentation>
 </file>
 
@@ -4319,6 +4324,7 @@
             </a:r>
           </a:p>
           <a:p>
+            <a:pPr lvl="1"/>
             <a:r>
               <a:rPr lang="fr-FR" dirty="0" smtClean="0"/>
               <a:t>Mappé avec </a:t>
@@ -4336,6 +4342,7 @@
             </a:r>
           </a:p>
           <a:p>
+            <a:pPr lvl="1"/>
             <a:r>
               <a:rPr lang="fr-FR" dirty="0"/>
               <a:t>CRUD </a:t>
@@ -4347,12 +4354,24 @@
           </a:p>
           <a:p>
             <a:r>
+              <a:rPr lang="fr-FR" dirty="0"/>
+              <a:t>Utilisation d’un </a:t>
+            </a:r>
+            <a:r>
+              <a:rPr lang="fr-FR" dirty="0" err="1" smtClean="0"/>
+              <a:t>template</a:t>
+            </a:r>
+            <a:endParaRPr lang="fr-FR" dirty="0" smtClean="0"/>
+          </a:p>
+          <a:p>
+            <a:r>
               <a:rPr lang="fr-FR" dirty="0" err="1" smtClean="0"/>
               <a:t>Bootstrap</a:t>
             </a:r>
             <a:endParaRPr lang="fr-FR" dirty="0" smtClean="0"/>
           </a:p>
           <a:p>
+            <a:pPr lvl="1"/>
             <a:r>
               <a:rPr lang="fr-FR" dirty="0" err="1" smtClean="0"/>
               <a:t>Javascript</a:t>
@@ -4366,9 +4385,6 @@
               <a:t>inline</a:t>
             </a:r>
             <a:endParaRPr lang="fr-FR" dirty="0" smtClean="0"/>
-          </a:p>
-          <a:p>
-            <a:endParaRPr lang="fr-FR" dirty="0"/>
           </a:p>
         </p:txBody>
       </p:sp>
@@ -4642,8 +4658,8 @@
           </a:p>
           <a:p>
             <a:r>
-              <a:rPr lang="fr-FR" dirty="0" err="1" smtClean="0"/>
-              <a:t>Performences</a:t>
+              <a:rPr lang="fr-FR" dirty="0" smtClean="0"/>
+              <a:t>Performances</a:t>
             </a:r>
             <a:endParaRPr lang="fr-FR" dirty="0" smtClean="0"/>
           </a:p>

--- a/presentation.pptx
+++ b/presentation.pptx
@@ -5,7 +5,7 @@
     <p:sldMasterId id="2147483790" r:id="rId1"/>
   </p:sldMasterIdLst>
   <p:notesMasterIdLst>
-    <p:notesMasterId r:id="rId8"/>
+    <p:notesMasterId r:id="rId9"/>
   </p:notesMasterIdLst>
   <p:sldIdLst>
     <p:sldId id="256" r:id="rId2"/>
@@ -13,7 +13,8 @@
     <p:sldId id="259" r:id="rId4"/>
     <p:sldId id="258" r:id="rId5"/>
     <p:sldId id="260" r:id="rId6"/>
-    <p:sldId id="261" r:id="rId7"/>
+    <p:sldId id="262" r:id="rId7"/>
+    <p:sldId id="261" r:id="rId8"/>
   </p:sldIdLst>
   <p:sldSz cx="9144000" cy="6858000" type="screen4x3"/>
   <p:notesSz cx="6858000" cy="9144000"/>
@@ -535,7 +536,7 @@
           <a:p>
             <a:fld id="{B98C6D57-B51E-4E4A-B81F-9957E5A0F559}" type="slidenum">
               <a:rPr lang="en-US" smtClean="0"/>
-              <a:t>6</a:t>
+              <a:t>7</a:t>
             </a:fld>
             <a:endParaRPr lang="en-US"/>
           </a:p>
@@ -4661,7 +4662,6 @@
               <a:rPr lang="fr-FR" dirty="0" smtClean="0"/>
               <a:t>Performances</a:t>
             </a:r>
-            <a:endParaRPr lang="fr-FR" dirty="0" smtClean="0"/>
           </a:p>
           <a:p>
             <a:r>
@@ -4908,6 +4908,186 @@
 </file>
 
 <file path=ppt/slides/slide6.xml><?xml version="1.0" encoding="utf-8"?>
+<p:sld xmlns:a="http://schemas.openxmlformats.org/drawingml/2006/main" xmlns:r="http://schemas.openxmlformats.org/officeDocument/2006/relationships" xmlns:p="http://schemas.openxmlformats.org/presentationml/2006/main">
+  <p:cSld>
+    <p:spTree>
+      <p:nvGrpSpPr>
+        <p:cNvPr id="1" name=""/>
+        <p:cNvGrpSpPr/>
+        <p:nvPr/>
+      </p:nvGrpSpPr>
+      <p:grpSpPr>
+        <a:xfrm>
+          <a:off x="0" y="0"/>
+          <a:ext cx="0" cy="0"/>
+          <a:chOff x="0" y="0"/>
+          <a:chExt cx="0" cy="0"/>
+        </a:xfrm>
+      </p:grpSpPr>
+      <p:sp>
+        <p:nvSpPr>
+          <p:cNvPr id="2" name="Title 1"/>
+          <p:cNvSpPr>
+            <a:spLocks noGrp="1"/>
+          </p:cNvSpPr>
+          <p:nvPr>
+            <p:ph type="title"/>
+          </p:nvPr>
+        </p:nvSpPr>
+        <p:spPr/>
+        <p:txBody>
+          <a:bodyPr/>
+          <a:lstStyle/>
+          <a:p>
+            <a:r>
+              <a:rPr lang="fr-FR" dirty="0" smtClean="0"/>
+              <a:t>Les acquis</a:t>
+            </a:r>
+            <a:endParaRPr lang="fr-FR" dirty="0"/>
+          </a:p>
+        </p:txBody>
+      </p:sp>
+      <p:sp>
+        <p:nvSpPr>
+          <p:cNvPr id="3" name="Content Placeholder 2"/>
+          <p:cNvSpPr>
+            <a:spLocks noGrp="1"/>
+          </p:cNvSpPr>
+          <p:nvPr>
+            <p:ph idx="1"/>
+          </p:nvPr>
+        </p:nvSpPr>
+        <p:spPr/>
+        <p:txBody>
+          <a:bodyPr>
+            <a:normAutofit/>
+          </a:bodyPr>
+          <a:lstStyle/>
+          <a:p>
+            <a:r>
+              <a:rPr lang="fr-FR" dirty="0" err="1" smtClean="0"/>
+              <a:t>Glassfish</a:t>
+            </a:r>
+            <a:endParaRPr lang="fr-FR" dirty="0" smtClean="0"/>
+          </a:p>
+          <a:p>
+            <a:pPr lvl="1"/>
+            <a:r>
+              <a:rPr lang="fr-FR" dirty="0" err="1" smtClean="0"/>
+              <a:t>Mapping</a:t>
+            </a:r>
+            <a:endParaRPr lang="fr-FR" dirty="0" smtClean="0"/>
+          </a:p>
+          <a:p>
+            <a:r>
+              <a:rPr lang="fr-FR" dirty="0" smtClean="0"/>
+              <a:t>Template</a:t>
+            </a:r>
+          </a:p>
+          <a:p>
+            <a:pPr lvl="1"/>
+            <a:r>
+              <a:rPr lang="fr-FR" dirty="0" err="1" smtClean="0"/>
+              <a:t>Scaffolding</a:t>
+            </a:r>
+            <a:endParaRPr lang="fr-FR" dirty="0" smtClean="0"/>
+          </a:p>
+          <a:p>
+            <a:r>
+              <a:rPr lang="fr-FR" dirty="0" smtClean="0"/>
+              <a:t>Planification</a:t>
+            </a:r>
+            <a:endParaRPr lang="fr-FR" dirty="0"/>
+          </a:p>
+          <a:p>
+            <a:pPr lvl="1"/>
+            <a:r>
+              <a:rPr lang="fr-FR" dirty="0" smtClean="0"/>
+              <a:t>Tests</a:t>
+            </a:r>
+          </a:p>
+          <a:p>
+            <a:pPr lvl="1"/>
+            <a:r>
+              <a:rPr lang="fr-FR" dirty="0" smtClean="0"/>
+              <a:t>Charge</a:t>
+            </a:r>
+          </a:p>
+          <a:p>
+            <a:pPr lvl="1"/>
+            <a:r>
+              <a:rPr lang="fr-FR" dirty="0" smtClean="0"/>
+              <a:t>Risque</a:t>
+            </a:r>
+          </a:p>
+          <a:p>
+            <a:endParaRPr lang="fr-FR" dirty="0" smtClean="0"/>
+          </a:p>
+          <a:p>
+            <a:endParaRPr lang="fr-FR" dirty="0"/>
+          </a:p>
+        </p:txBody>
+      </p:sp>
+      <p:sp>
+        <p:nvSpPr>
+          <p:cNvPr id="4" name="Date Placeholder 3"/>
+          <p:cNvSpPr>
+            <a:spLocks noGrp="1"/>
+          </p:cNvSpPr>
+          <p:nvPr>
+            <p:ph type="dt" sz="half" idx="10"/>
+          </p:nvPr>
+        </p:nvSpPr>
+        <p:spPr/>
+        <p:txBody>
+          <a:bodyPr/>
+          <a:lstStyle/>
+          <a:p>
+            <a:fld id="{04B38775-9160-634C-97ED-7287F5F9F759}" type="datetime3">
+              <a:rPr lang="en-US" smtClean="0"/>
+              <a:t>29 April 2016</a:t>
+            </a:fld>
+            <a:endParaRPr lang="en-US" dirty="0"/>
+          </a:p>
+        </p:txBody>
+      </p:sp>
+      <p:sp>
+        <p:nvSpPr>
+          <p:cNvPr id="5" name="Slide Number Placeholder 4"/>
+          <p:cNvSpPr>
+            <a:spLocks noGrp="1"/>
+          </p:cNvSpPr>
+          <p:nvPr>
+            <p:ph type="sldNum" sz="quarter" idx="12"/>
+          </p:nvPr>
+        </p:nvSpPr>
+        <p:spPr/>
+        <p:txBody>
+          <a:bodyPr/>
+          <a:lstStyle/>
+          <a:p>
+            <a:fld id="{E97799C9-84D9-46D2-A11E-BCF8A720529D}" type="slidenum">
+              <a:rPr lang="en-US" smtClean="0"/>
+              <a:t>6</a:t>
+            </a:fld>
+            <a:endParaRPr lang="en-US" dirty="0"/>
+          </a:p>
+        </p:txBody>
+      </p:sp>
+    </p:spTree>
+    <p:extLst>
+      <p:ext uri="{BB962C8B-B14F-4D97-AF65-F5344CB8AC3E}">
+        <p14:creationId xmlns:p14="http://schemas.microsoft.com/office/powerpoint/2010/main" val="160433163"/>
+      </p:ext>
+    </p:extLst>
+  </p:cSld>
+  <p:clrMapOvr>
+    <a:masterClrMapping/>
+  </p:clrMapOvr>
+</p:sld>
+</file>
+
+<file path=ppt/slides/slide7.xml><?xml version="1.0" encoding="utf-8"?>
 <p:sld xmlns:a="http://schemas.openxmlformats.org/drawingml/2006/main" xmlns:r="http://schemas.openxmlformats.org/officeDocument/2006/relationships" xmlns:p="http://schemas.openxmlformats.org/presentationml/2006/main">
   <p:cSld>
     <p:spTree>
@@ -5044,7 +5224,7 @@
           <a:p>
             <a:fld id="{E97799C9-84D9-46D2-A11E-BCF8A720529D}" type="slidenum">
               <a:rPr lang="en-US" smtClean="0"/>
-              <a:t>6</a:t>
+              <a:t>7</a:t>
             </a:fld>
             <a:endParaRPr lang="en-US" dirty="0"/>
           </a:p>

--- a/presentation.pptx
+++ b/presentation.pptx
@@ -4187,29 +4187,6 @@
       </p:grpSpPr>
       <p:sp>
         <p:nvSpPr>
-          <p:cNvPr id="2" name="Title 1"/>
-          <p:cNvSpPr>
-            <a:spLocks noGrp="1"/>
-          </p:cNvSpPr>
-          <p:nvPr>
-            <p:ph type="ctrTitle"/>
-          </p:nvPr>
-        </p:nvSpPr>
-        <p:spPr/>
-        <p:txBody>
-          <a:bodyPr/>
-          <a:lstStyle/>
-          <a:p>
-            <a:r>
-              <a:rPr lang="en-US" dirty="0" smtClean="0"/>
-              <a:t>Banana Manager</a:t>
-            </a:r>
-            <a:endParaRPr lang="en-US" dirty="0"/>
-          </a:p>
-        </p:txBody>
-      </p:sp>
-      <p:sp>
-        <p:nvSpPr>
           <p:cNvPr id="3" name="Subtitle 2"/>
           <p:cNvSpPr>
             <a:spLocks noGrp="1"/>
@@ -4218,7 +4195,12 @@
             <p:ph type="subTitle" idx="1"/>
           </p:nvPr>
         </p:nvSpPr>
-        <p:spPr/>
+        <p:spPr>
+          <a:xfrm>
+            <a:off x="1125459" y="4389334"/>
+            <a:ext cx="5760741" cy="977621"/>
+          </a:xfrm>
+        </p:spPr>
         <p:txBody>
           <a:bodyPr>
             <a:normAutofit fontScale="70000" lnSpcReduction="20000"/>
@@ -4249,6 +4231,36 @@
           </a:p>
         </p:txBody>
       </p:sp>
+      <p:pic>
+        <p:nvPicPr>
+          <p:cNvPr id="4" name="Picture 3"/>
+          <p:cNvPicPr>
+            <a:picLocks noChangeAspect="1"/>
+          </p:cNvPicPr>
+          <p:nvPr/>
+        </p:nvPicPr>
+        <p:blipFill>
+          <a:blip r:embed="rId2">
+            <a:extLst>
+              <a:ext uri="{28A0092B-C50C-407E-A947-70E740481C1C}">
+                <a14:useLocalDpi xmlns:a14="http://schemas.microsoft.com/office/drawing/2010/main" val="0"/>
+              </a:ext>
+            </a:extLst>
+          </a:blip>
+          <a:stretch>
+            <a:fillRect/>
+          </a:stretch>
+        </p:blipFill>
+        <p:spPr>
+          <a:xfrm>
+            <a:off x="2560364" y="1147961"/>
+            <a:ext cx="3995181" cy="3241373"/>
+          </a:xfrm>
+          <a:prstGeom prst="rect">
+            <a:avLst/>
+          </a:prstGeom>
+        </p:spPr>
+      </p:pic>
     </p:spTree>
     <p:extLst>
       <p:ext uri="{BB962C8B-B14F-4D97-AF65-F5344CB8AC3E}">
@@ -4435,6 +4447,76 @@
           </a:p>
         </p:txBody>
       </p:sp>
+      <p:pic>
+        <p:nvPicPr>
+          <p:cNvPr id="6" name="Picture 5"/>
+          <p:cNvPicPr>
+            <a:picLocks noChangeAspect="1"/>
+          </p:cNvPicPr>
+          <p:nvPr/>
+        </p:nvPicPr>
+        <p:blipFill>
+          <a:blip r:embed="rId2">
+            <a:extLst>
+              <a:ext uri="{28A0092B-C50C-407E-A947-70E740481C1C}">
+                <a14:useLocalDpi xmlns:a14="http://schemas.microsoft.com/office/drawing/2010/main" val="0"/>
+              </a:ext>
+            </a:extLst>
+          </a:blip>
+          <a:stretch>
+            <a:fillRect/>
+          </a:stretch>
+        </p:blipFill>
+        <p:spPr>
+          <a:xfrm>
+            <a:off x="4839286" y="1098240"/>
+            <a:ext cx="3752492" cy="4690615"/>
+          </a:xfrm>
+          <a:prstGeom prst="rect">
+            <a:avLst/>
+          </a:prstGeom>
+        </p:spPr>
+      </p:pic>
+      <p:sp>
+        <p:nvSpPr>
+          <p:cNvPr id="7" name="TextBox 6"/>
+          <p:cNvSpPr txBox="1"/>
+          <p:nvPr/>
+        </p:nvSpPr>
+        <p:spPr>
+          <a:xfrm>
+            <a:off x="5767872" y="6101029"/>
+            <a:ext cx="2678938" cy="646331"/>
+          </a:xfrm>
+          <a:prstGeom prst="rect">
+            <a:avLst/>
+          </a:prstGeom>
+          <a:noFill/>
+        </p:spPr>
+        <p:txBody>
+          <a:bodyPr wrap="none" rtlCol="0">
+            <a:spAutoFit/>
+          </a:bodyPr>
+          <a:lstStyle/>
+          <a:p>
+            <a:r>
+              <a:rPr lang="en-US" dirty="0" smtClean="0"/>
+              <a:t>Instagram</a:t>
+            </a:r>
+          </a:p>
+          <a:p>
+            <a:r>
+              <a:rPr lang="en-US" dirty="0" smtClean="0"/>
+              <a:t>National-</a:t>
+            </a:r>
+            <a:r>
+              <a:rPr lang="en-US" dirty="0" err="1" smtClean="0"/>
+              <a:t>Geographics</a:t>
+            </a:r>
+            <a:endParaRPr lang="en-US" dirty="0"/>
+          </a:p>
+        </p:txBody>
+      </p:sp>
     </p:spTree>
     <p:extLst>
       <p:ext uri="{BB962C8B-B14F-4D97-AF65-F5344CB8AC3E}">
@@ -4726,6 +4808,76 @@
           </a:p>
         </p:txBody>
       </p:sp>
+      <p:pic>
+        <p:nvPicPr>
+          <p:cNvPr id="6" name="Picture 5"/>
+          <p:cNvPicPr>
+            <a:picLocks noChangeAspect="1"/>
+          </p:cNvPicPr>
+          <p:nvPr/>
+        </p:nvPicPr>
+        <p:blipFill>
+          <a:blip r:embed="rId2">
+            <a:extLst>
+              <a:ext uri="{28A0092B-C50C-407E-A947-70E740481C1C}">
+                <a14:useLocalDpi xmlns:a14="http://schemas.microsoft.com/office/drawing/2010/main" val="0"/>
+              </a:ext>
+            </a:extLst>
+          </a:blip>
+          <a:stretch>
+            <a:fillRect/>
+          </a:stretch>
+        </p:blipFill>
+        <p:spPr>
+          <a:xfrm>
+            <a:off x="4858578" y="1393974"/>
+            <a:ext cx="4062046" cy="4062046"/>
+          </a:xfrm>
+          <a:prstGeom prst="rect">
+            <a:avLst/>
+          </a:prstGeom>
+        </p:spPr>
+      </p:pic>
+      <p:sp>
+        <p:nvSpPr>
+          <p:cNvPr id="7" name="TextBox 6"/>
+          <p:cNvSpPr txBox="1"/>
+          <p:nvPr/>
+        </p:nvSpPr>
+        <p:spPr>
+          <a:xfrm>
+            <a:off x="5767872" y="6101029"/>
+            <a:ext cx="2678938" cy="646331"/>
+          </a:xfrm>
+          <a:prstGeom prst="rect">
+            <a:avLst/>
+          </a:prstGeom>
+          <a:noFill/>
+        </p:spPr>
+        <p:txBody>
+          <a:bodyPr wrap="none" rtlCol="0">
+            <a:spAutoFit/>
+          </a:bodyPr>
+          <a:lstStyle/>
+          <a:p>
+            <a:r>
+              <a:rPr lang="en-US" dirty="0" smtClean="0"/>
+              <a:t>Instagram</a:t>
+            </a:r>
+          </a:p>
+          <a:p>
+            <a:r>
+              <a:rPr lang="en-US" dirty="0" smtClean="0"/>
+              <a:t>National-</a:t>
+            </a:r>
+            <a:r>
+              <a:rPr lang="en-US" dirty="0" err="1" smtClean="0"/>
+              <a:t>Geographics</a:t>
+            </a:r>
+            <a:endParaRPr lang="en-US" dirty="0"/>
+          </a:p>
+        </p:txBody>
+      </p:sp>
     </p:spTree>
     <p:extLst>
       <p:ext uri="{BB962C8B-B14F-4D97-AF65-F5344CB8AC3E}">
@@ -4960,7 +5112,7 @@
         <p:spPr/>
         <p:txBody>
           <a:bodyPr>
-            <a:normAutofit/>
+            <a:normAutofit fontScale="92500" lnSpcReduction="10000"/>
           </a:bodyPr>
           <a:lstStyle/>
           <a:p>
@@ -4993,6 +5145,22 @@
             <a:endParaRPr lang="fr-FR" dirty="0" smtClean="0"/>
           </a:p>
           <a:p>
+            <a:pPr lvl="1"/>
+            <a:r>
+              <a:rPr lang="fr-FR" dirty="0" err="1" smtClean="0"/>
+              <a:t>Bootstrap</a:t>
+            </a:r>
+            <a:r>
+              <a:rPr lang="fr-FR" dirty="0" smtClean="0"/>
+              <a:t> </a:t>
+            </a:r>
+            <a:r>
+              <a:rPr lang="fr-FR" dirty="0" err="1" smtClean="0"/>
+              <a:t>magic</a:t>
+            </a:r>
+            <a:endParaRPr lang="fr-FR" dirty="0" smtClean="0"/>
+          </a:p>
+          <a:p>
             <a:r>
               <a:rPr lang="fr-FR" dirty="0" smtClean="0"/>
               <a:t>Planification</a:t>
@@ -5070,6 +5238,76 @@
               <a:rPr lang="en-US" smtClean="0"/>
               <a:t>6</a:t>
             </a:fld>
+            <a:endParaRPr lang="en-US" dirty="0"/>
+          </a:p>
+        </p:txBody>
+      </p:sp>
+      <p:pic>
+        <p:nvPicPr>
+          <p:cNvPr id="6" name="Picture 5"/>
+          <p:cNvPicPr>
+            <a:picLocks noChangeAspect="1"/>
+          </p:cNvPicPr>
+          <p:nvPr/>
+        </p:nvPicPr>
+        <p:blipFill>
+          <a:blip r:embed="rId2">
+            <a:extLst>
+              <a:ext uri="{28A0092B-C50C-407E-A947-70E740481C1C}">
+                <a14:useLocalDpi xmlns:a14="http://schemas.microsoft.com/office/drawing/2010/main" val="0"/>
+              </a:ext>
+            </a:extLst>
+          </a:blip>
+          <a:stretch>
+            <a:fillRect/>
+          </a:stretch>
+        </p:blipFill>
+        <p:spPr>
+          <a:xfrm>
+            <a:off x="4223825" y="1186787"/>
+            <a:ext cx="4531730" cy="4531730"/>
+          </a:xfrm>
+          <a:prstGeom prst="rect">
+            <a:avLst/>
+          </a:prstGeom>
+        </p:spPr>
+      </p:pic>
+      <p:sp>
+        <p:nvSpPr>
+          <p:cNvPr id="7" name="TextBox 6"/>
+          <p:cNvSpPr txBox="1"/>
+          <p:nvPr/>
+        </p:nvSpPr>
+        <p:spPr>
+          <a:xfrm>
+            <a:off x="5767872" y="6101029"/>
+            <a:ext cx="2678938" cy="646331"/>
+          </a:xfrm>
+          <a:prstGeom prst="rect">
+            <a:avLst/>
+          </a:prstGeom>
+          <a:noFill/>
+        </p:spPr>
+        <p:txBody>
+          <a:bodyPr wrap="none" rtlCol="0">
+            <a:spAutoFit/>
+          </a:bodyPr>
+          <a:lstStyle/>
+          <a:p>
+            <a:r>
+              <a:rPr lang="en-US" dirty="0" smtClean="0"/>
+              <a:t>Instagram</a:t>
+            </a:r>
+          </a:p>
+          <a:p>
+            <a:r>
+              <a:rPr lang="en-US" dirty="0" smtClean="0"/>
+              <a:t>National-</a:t>
+            </a:r>
+            <a:r>
+              <a:rPr lang="en-US" dirty="0" err="1" smtClean="0"/>
+              <a:t>Geographics</a:t>
+            </a:r>
             <a:endParaRPr lang="en-US" dirty="0"/>
           </a:p>
         </p:txBody>

--- a/presentation.pptx
+++ b/presentation.pptx
@@ -4224,7 +4224,7 @@
               <a:t>a </a:t>
             </a:r>
             <a:r>
-              <a:rPr lang="en-US" smtClean="0"/>
+              <a:rPr lang="en-US" dirty="0" err="1" smtClean="0"/>
               <a:t>Potatoe</a:t>
             </a:r>
             <a:endParaRPr lang="en-US" dirty="0" smtClean="0"/>
@@ -4756,6 +4756,13 @@
   <p:clrMapOvr>
     <a:masterClrMapping/>
   </p:clrMapOvr>
+  <p:timing>
+    <p:tnLst>
+      <p:par>
+        <p:cTn id="1" dur="indefinite" restart="never" nodeType="tmRoot"/>
+      </p:par>
+    </p:tnLst>
+  </p:timing>
 </p:sld>
 </file>
 
@@ -4989,6 +4996,13 @@
   <p:clrMapOvr>
     <a:masterClrMapping/>
   </p:clrMapOvr>
+  <p:timing>
+    <p:tnLst>
+      <p:par>
+        <p:cTn id="1" dur="indefinite" restart="never" nodeType="tmRoot"/>
+      </p:par>
+    </p:tnLst>
+  </p:timing>
 </p:sld>
 </file>
 
@@ -5157,6 +5171,13 @@
   <p:clrMapOvr>
     <a:masterClrMapping/>
   </p:clrMapOvr>
+  <p:timing>
+    <p:tnLst>
+      <p:par>
+        <p:cTn id="1" dur="indefinite" restart="never" nodeType="tmRoot"/>
+      </p:par>
+    </p:tnLst>
+  </p:timing>
 </p:sld>
 </file>
 
@@ -5423,6 +5444,13 @@
   <p:clrMapOvr>
     <a:masterClrMapping/>
   </p:clrMapOvr>
+  <p:timing>
+    <p:tnLst>
+      <p:par>
+        <p:cTn id="1" dur="indefinite" restart="never" nodeType="tmRoot"/>
+      </p:par>
+    </p:tnLst>
+  </p:timing>
 </p:sld>
 </file>
 
@@ -5579,6 +5607,13 @@
   <p:clrMapOvr>
     <a:masterClrMapping/>
   </p:clrMapOvr>
+  <p:timing>
+    <p:tnLst>
+      <p:par>
+        <p:cTn id="1" dur="indefinite" restart="never" nodeType="tmRoot"/>
+      </p:par>
+    </p:tnLst>
+  </p:timing>
 </p:sld>
 </file>
 
